--- a/CalendarioAgo24/Presentaciones/4_MediosComunicacion.pptx
+++ b/CalendarioAgo24/Presentaciones/4_MediosComunicacion.pptx
@@ -235,7 +235,7 @@
           <a:p>
             <a:fld id="{2D445F07-8756-451B-A938-0248325FC7BB}" type="datetimeFigureOut">
               <a:rPr lang="es-MX" smtClean="0"/>
-              <a:t>13/02/2024</a:t>
+              <a:t>28/10/2024</a:t>
             </a:fld>
             <a:endParaRPr lang="es-MX" dirty="0"/>
           </a:p>
@@ -1868,7 +1868,7 @@
           <a:p>
             <a:fld id="{5E75A0DC-66C6-4CEC-A5EB-F8C97CEC3796}" type="datetimeFigureOut">
               <a:rPr lang="es-MX" smtClean="0"/>
-              <a:t>13/02/2024</a:t>
+              <a:t>28/10/2024</a:t>
             </a:fld>
             <a:endParaRPr lang="es-MX" dirty="0"/>
           </a:p>
@@ -2038,7 +2038,7 @@
           <a:p>
             <a:fld id="{5E75A0DC-66C6-4CEC-A5EB-F8C97CEC3796}" type="datetimeFigureOut">
               <a:rPr lang="es-MX" smtClean="0"/>
-              <a:t>13/02/2024</a:t>
+              <a:t>28/10/2024</a:t>
             </a:fld>
             <a:endParaRPr lang="es-MX" dirty="0"/>
           </a:p>
@@ -2218,7 +2218,7 @@
           <a:p>
             <a:fld id="{5E75A0DC-66C6-4CEC-A5EB-F8C97CEC3796}" type="datetimeFigureOut">
               <a:rPr lang="es-MX" smtClean="0"/>
-              <a:t>13/02/2024</a:t>
+              <a:t>28/10/2024</a:t>
             </a:fld>
             <a:endParaRPr lang="es-MX" dirty="0"/>
           </a:p>
@@ -2693,7 +2693,7 @@
           <a:p>
             <a:fld id="{5E75A0DC-66C6-4CEC-A5EB-F8C97CEC3796}" type="datetimeFigureOut">
               <a:rPr lang="es-MX" smtClean="0"/>
-              <a:t>13/02/2024</a:t>
+              <a:t>28/10/2024</a:t>
             </a:fld>
             <a:endParaRPr lang="es-MX" dirty="0"/>
           </a:p>
@@ -2939,7 +2939,7 @@
           <a:p>
             <a:fld id="{5E75A0DC-66C6-4CEC-A5EB-F8C97CEC3796}" type="datetimeFigureOut">
               <a:rPr lang="es-MX" smtClean="0"/>
-              <a:t>13/02/2024</a:t>
+              <a:t>28/10/2024</a:t>
             </a:fld>
             <a:endParaRPr lang="es-MX" dirty="0"/>
           </a:p>
@@ -3227,7 +3227,7 @@
           <a:p>
             <a:fld id="{5E75A0DC-66C6-4CEC-A5EB-F8C97CEC3796}" type="datetimeFigureOut">
               <a:rPr lang="es-MX" smtClean="0"/>
-              <a:t>13/02/2024</a:t>
+              <a:t>28/10/2024</a:t>
             </a:fld>
             <a:endParaRPr lang="es-MX" dirty="0"/>
           </a:p>
@@ -3649,7 +3649,7 @@
           <a:p>
             <a:fld id="{5E75A0DC-66C6-4CEC-A5EB-F8C97CEC3796}" type="datetimeFigureOut">
               <a:rPr lang="es-MX" smtClean="0"/>
-              <a:t>13/02/2024</a:t>
+              <a:t>28/10/2024</a:t>
             </a:fld>
             <a:endParaRPr lang="es-MX" dirty="0"/>
           </a:p>
@@ -3767,7 +3767,7 @@
           <a:p>
             <a:fld id="{5E75A0DC-66C6-4CEC-A5EB-F8C97CEC3796}" type="datetimeFigureOut">
               <a:rPr lang="es-MX" smtClean="0"/>
-              <a:t>13/02/2024</a:t>
+              <a:t>28/10/2024</a:t>
             </a:fld>
             <a:endParaRPr lang="es-MX" dirty="0"/>
           </a:p>
@@ -3862,7 +3862,7 @@
           <a:p>
             <a:fld id="{5E75A0DC-66C6-4CEC-A5EB-F8C97CEC3796}" type="datetimeFigureOut">
               <a:rPr lang="es-MX" smtClean="0"/>
-              <a:t>13/02/2024</a:t>
+              <a:t>28/10/2024</a:t>
             </a:fld>
             <a:endParaRPr lang="es-MX" dirty="0"/>
           </a:p>
@@ -4139,7 +4139,7 @@
           <a:p>
             <a:fld id="{5E75A0DC-66C6-4CEC-A5EB-F8C97CEC3796}" type="datetimeFigureOut">
               <a:rPr lang="es-MX" smtClean="0"/>
-              <a:t>13/02/2024</a:t>
+              <a:t>28/10/2024</a:t>
             </a:fld>
             <a:endParaRPr lang="es-MX" dirty="0"/>
           </a:p>
@@ -4392,7 +4392,7 @@
           <a:p>
             <a:fld id="{5E75A0DC-66C6-4CEC-A5EB-F8C97CEC3796}" type="datetimeFigureOut">
               <a:rPr lang="es-MX" smtClean="0"/>
-              <a:t>13/02/2024</a:t>
+              <a:t>28/10/2024</a:t>
             </a:fld>
             <a:endParaRPr lang="es-MX" dirty="0"/>
           </a:p>
@@ -4605,7 +4605,7 @@
           <a:p>
             <a:fld id="{5E75A0DC-66C6-4CEC-A5EB-F8C97CEC3796}" type="datetimeFigureOut">
               <a:rPr lang="es-MX" smtClean="0"/>
-              <a:t>13/02/2024</a:t>
+              <a:t>28/10/2024</a:t>
             </a:fld>
             <a:endParaRPr lang="es-MX" dirty="0"/>
           </a:p>
@@ -23705,7 +23705,7 @@
                   </a:schemeClr>
                 </a:solidFill>
               </a:rPr>
-              <a:t> en si no procesa información sino que actúan como un </a:t>
+              <a:t> en si no procesa información, sino que actúan como un </a:t>
             </a:r>
             <a:r>
               <a:rPr lang="es-ES" sz="1400" b="1" dirty="0">
